--- a/penultimate_short_presentation_v2.pptx
+++ b/penultimate_short_presentation_v2.pptx
@@ -116,13 +116,242 @@
 <file path=ppt/revisionInfo.xml><?xml version="1.0" encoding="utf-8"?>
 <p1510:revInfo xmlns:a="http://schemas.openxmlformats.org/drawingml/2006/main" xmlns:r="http://schemas.openxmlformats.org/officeDocument/2006/relationships" xmlns:p1510="http://schemas.microsoft.com/office/powerpoint/2015/10/main">
   <p1510:revLst>
-    <p1510:client id="{83BA4BC6-C1AE-4838-B209-B7BA7FA56064}" v="2" dt="2023-05-10T14:48:58.204"/>
+    <p1510:client id="{A364B2BE-BBCA-4177-A00F-B8C3EBBF6E19}" v="7" dt="2023-05-12T05:57:28.894"/>
   </p1510:revLst>
 </p1510:revInfo>
 </file>
 
 <file path=ppt/changesInfos/changesInfo1.xml><?xml version="1.0" encoding="utf-8"?>
 <pc:chgInfo xmlns:a="http://schemas.openxmlformats.org/drawingml/2006/main" xmlns:r="http://schemas.openxmlformats.org/officeDocument/2006/relationships" xmlns:ac="http://schemas.microsoft.com/office/drawing/2013/main/command" xmlns:pc="http://schemas.microsoft.com/office/powerpoint/2013/main/command">
+  <pc:docChgLst>
+    <pc:chgData name="Benjamin Strusch" userId="d4ceea4940c51958" providerId="LiveId" clId="{A364B2BE-BBCA-4177-A00F-B8C3EBBF6E19}"/>
+    <pc:docChg chg="undo custSel addSld delSld modSld">
+      <pc:chgData name="Benjamin Strusch" userId="d4ceea4940c51958" providerId="LiveId" clId="{A364B2BE-BBCA-4177-A00F-B8C3EBBF6E19}" dt="2023-05-12T05:58:17.752" v="31" actId="1076"/>
+      <pc:docMkLst>
+        <pc:docMk/>
+      </pc:docMkLst>
+      <pc:sldChg chg="addSp delSp modSp add del mod">
+        <pc:chgData name="Benjamin Strusch" userId="d4ceea4940c51958" providerId="LiveId" clId="{A364B2BE-BBCA-4177-A00F-B8C3EBBF6E19}" dt="2023-05-12T05:58:17.752" v="31" actId="1076"/>
+        <pc:sldMkLst>
+          <pc:docMk/>
+          <pc:sldMk cId="2935685482" sldId="256"/>
+        </pc:sldMkLst>
+        <pc:spChg chg="add del mod">
+          <ac:chgData name="Benjamin Strusch" userId="d4ceea4940c51958" providerId="LiveId" clId="{A364B2BE-BBCA-4177-A00F-B8C3EBBF6E19}" dt="2023-05-12T05:57:13.591" v="12"/>
+          <ac:spMkLst>
+            <pc:docMk/>
+            <pc:sldMk cId="2935685482" sldId="256"/>
+            <ac:spMk id="2" creationId="{B069EECD-23F8-B243-3742-3FF0F01EF96C}"/>
+          </ac:spMkLst>
+        </pc:spChg>
+        <pc:spChg chg="add mod">
+          <ac:chgData name="Benjamin Strusch" userId="d4ceea4940c51958" providerId="LiveId" clId="{A364B2BE-BBCA-4177-A00F-B8C3EBBF6E19}" dt="2023-05-12T05:58:17.752" v="31" actId="1076"/>
+          <ac:spMkLst>
+            <pc:docMk/>
+            <pc:sldMk cId="2935685482" sldId="256"/>
+            <ac:spMk id="3" creationId="{BEE94906-C806-DF49-33AC-C95DEF2CA436}"/>
+          </ac:spMkLst>
+        </pc:spChg>
+        <pc:spChg chg="mod">
+          <ac:chgData name="Benjamin Strusch" userId="d4ceea4940c51958" providerId="LiveId" clId="{A364B2BE-BBCA-4177-A00F-B8C3EBBF6E19}" dt="2023-05-12T05:56:31.005" v="2" actId="27636"/>
+          <ac:spMkLst>
+            <pc:docMk/>
+            <pc:sldMk cId="2935685482" sldId="256"/>
+            <ac:spMk id="4" creationId="{C2BF7890-5B34-538C-7791-C1E5D2F48B8F}"/>
+          </ac:spMkLst>
+        </pc:spChg>
+        <pc:spChg chg="del">
+          <ac:chgData name="Benjamin Strusch" userId="d4ceea4940c51958" providerId="LiveId" clId="{A364B2BE-BBCA-4177-A00F-B8C3EBBF6E19}" dt="2023-05-12T05:57:17.654" v="13" actId="478"/>
+          <ac:spMkLst>
+            <pc:docMk/>
+            <pc:sldMk cId="2935685482" sldId="256"/>
+            <ac:spMk id="5" creationId="{BEADE34C-D7A9-A127-FC7D-44CB167703F6}"/>
+          </ac:spMkLst>
+        </pc:spChg>
+        <pc:spChg chg="del">
+          <ac:chgData name="Benjamin Strusch" userId="d4ceea4940c51958" providerId="LiveId" clId="{A364B2BE-BBCA-4177-A00F-B8C3EBBF6E19}" dt="2023-05-12T05:57:28.608" v="15" actId="478"/>
+          <ac:spMkLst>
+            <pc:docMk/>
+            <pc:sldMk cId="2935685482" sldId="256"/>
+            <ac:spMk id="7" creationId="{64F6199D-DDB1-536C-072E-FDED513B5D1A}"/>
+          </ac:spMkLst>
+        </pc:spChg>
+        <pc:spChg chg="add mod">
+          <ac:chgData name="Benjamin Strusch" userId="d4ceea4940c51958" providerId="LiveId" clId="{A364B2BE-BBCA-4177-A00F-B8C3EBBF6E19}" dt="2023-05-12T05:58:13.880" v="30" actId="1076"/>
+          <ac:spMkLst>
+            <pc:docMk/>
+            <pc:sldMk cId="2935685482" sldId="256"/>
+            <ac:spMk id="8" creationId="{F05C1958-A607-AC7B-5710-DFB40B3D0066}"/>
+          </ac:spMkLst>
+        </pc:spChg>
+      </pc:sldChg>
+      <pc:sldChg chg="delSp add del setBg delDesignElem">
+        <pc:chgData name="Benjamin Strusch" userId="d4ceea4940c51958" providerId="LiveId" clId="{A364B2BE-BBCA-4177-A00F-B8C3EBBF6E19}" dt="2023-05-12T05:56:47.202" v="5" actId="2696"/>
+        <pc:sldMkLst>
+          <pc:docMk/>
+          <pc:sldMk cId="3379749652" sldId="258"/>
+        </pc:sldMkLst>
+        <pc:spChg chg="del">
+          <ac:chgData name="Benjamin Strusch" userId="d4ceea4940c51958" providerId="LiveId" clId="{A364B2BE-BBCA-4177-A00F-B8C3EBBF6E19}" dt="2023-05-12T05:56:30.947" v="1"/>
+          <ac:spMkLst>
+            <pc:docMk/>
+            <pc:sldMk cId="3379749652" sldId="258"/>
+            <ac:spMk id="9" creationId="{99B5B3C5-A599-465B-B2B9-866E8B2087CE}"/>
+          </ac:spMkLst>
+        </pc:spChg>
+        <pc:spChg chg="del">
+          <ac:chgData name="Benjamin Strusch" userId="d4ceea4940c51958" providerId="LiveId" clId="{A364B2BE-BBCA-4177-A00F-B8C3EBBF6E19}" dt="2023-05-12T05:56:30.947" v="1"/>
+          <ac:spMkLst>
+            <pc:docMk/>
+            <pc:sldMk cId="3379749652" sldId="258"/>
+            <ac:spMk id="11" creationId="{25C84982-7DD0-43B1-8A2D-BFA4DF1B4E60}"/>
+          </ac:spMkLst>
+        </pc:spChg>
+        <pc:spChg chg="del">
+          <ac:chgData name="Benjamin Strusch" userId="d4ceea4940c51958" providerId="LiveId" clId="{A364B2BE-BBCA-4177-A00F-B8C3EBBF6E19}" dt="2023-05-12T05:56:30.947" v="1"/>
+          <ac:spMkLst>
+            <pc:docMk/>
+            <pc:sldMk cId="3379749652" sldId="258"/>
+            <ac:spMk id="30" creationId="{733E0473-C315-42D8-A82A-A2FE49DC67DA}"/>
+          </ac:spMkLst>
+        </pc:spChg>
+        <pc:spChg chg="del">
+          <ac:chgData name="Benjamin Strusch" userId="d4ceea4940c51958" providerId="LiveId" clId="{A364B2BE-BBCA-4177-A00F-B8C3EBBF6E19}" dt="2023-05-12T05:56:30.947" v="1"/>
+          <ac:spMkLst>
+            <pc:docMk/>
+            <pc:sldMk cId="3379749652" sldId="258"/>
+            <ac:spMk id="32" creationId="{AD23A251-68F2-43E5-812B-4BBAE1AF535E}"/>
+          </ac:spMkLst>
+        </pc:spChg>
+        <pc:grpChg chg="del">
+          <ac:chgData name="Benjamin Strusch" userId="d4ceea4940c51958" providerId="LiveId" clId="{A364B2BE-BBCA-4177-A00F-B8C3EBBF6E19}" dt="2023-05-12T05:56:30.947" v="1"/>
+          <ac:grpSpMkLst>
+            <pc:docMk/>
+            <pc:sldMk cId="3379749652" sldId="258"/>
+            <ac:grpSpMk id="13" creationId="{1D912E1C-3BBA-42F0-A3EE-FEC382E7230A}"/>
+          </ac:grpSpMkLst>
+        </pc:grpChg>
+        <pc:grpChg chg="del">
+          <ac:chgData name="Benjamin Strusch" userId="d4ceea4940c51958" providerId="LiveId" clId="{A364B2BE-BBCA-4177-A00F-B8C3EBBF6E19}" dt="2023-05-12T05:56:30.947" v="1"/>
+          <ac:grpSpMkLst>
+            <pc:docMk/>
+            <pc:sldMk cId="3379749652" sldId="258"/>
+            <ac:grpSpMk id="34" creationId="{0350AF23-2606-421F-AB7B-23D9B48F3E9B}"/>
+          </ac:grpSpMkLst>
+        </pc:grpChg>
+      </pc:sldChg>
+      <pc:sldChg chg="delSp add del setBg delDesignElem">
+        <pc:chgData name="Benjamin Strusch" userId="d4ceea4940c51958" providerId="LiveId" clId="{A364B2BE-BBCA-4177-A00F-B8C3EBBF6E19}" dt="2023-05-12T05:57:36.964" v="19" actId="2696"/>
+        <pc:sldMkLst>
+          <pc:docMk/>
+          <pc:sldMk cId="3766297430" sldId="258"/>
+        </pc:sldMkLst>
+        <pc:spChg chg="del">
+          <ac:chgData name="Benjamin Strusch" userId="d4ceea4940c51958" providerId="LiveId" clId="{A364B2BE-BBCA-4177-A00F-B8C3EBBF6E19}" dt="2023-05-12T05:56:50.898" v="7"/>
+          <ac:spMkLst>
+            <pc:docMk/>
+            <pc:sldMk cId="3766297430" sldId="258"/>
+            <ac:spMk id="9" creationId="{99B5B3C5-A599-465B-B2B9-866E8B2087CE}"/>
+          </ac:spMkLst>
+        </pc:spChg>
+        <pc:spChg chg="del">
+          <ac:chgData name="Benjamin Strusch" userId="d4ceea4940c51958" providerId="LiveId" clId="{A364B2BE-BBCA-4177-A00F-B8C3EBBF6E19}" dt="2023-05-12T05:56:50.898" v="7"/>
+          <ac:spMkLst>
+            <pc:docMk/>
+            <pc:sldMk cId="3766297430" sldId="258"/>
+            <ac:spMk id="11" creationId="{25C84982-7DD0-43B1-8A2D-BFA4DF1B4E60}"/>
+          </ac:spMkLst>
+        </pc:spChg>
+        <pc:spChg chg="del">
+          <ac:chgData name="Benjamin Strusch" userId="d4ceea4940c51958" providerId="LiveId" clId="{A364B2BE-BBCA-4177-A00F-B8C3EBBF6E19}" dt="2023-05-12T05:56:50.898" v="7"/>
+          <ac:spMkLst>
+            <pc:docMk/>
+            <pc:sldMk cId="3766297430" sldId="258"/>
+            <ac:spMk id="30" creationId="{733E0473-C315-42D8-A82A-A2FE49DC67DA}"/>
+          </ac:spMkLst>
+        </pc:spChg>
+        <pc:spChg chg="del">
+          <ac:chgData name="Benjamin Strusch" userId="d4ceea4940c51958" providerId="LiveId" clId="{A364B2BE-BBCA-4177-A00F-B8C3EBBF6E19}" dt="2023-05-12T05:56:50.898" v="7"/>
+          <ac:spMkLst>
+            <pc:docMk/>
+            <pc:sldMk cId="3766297430" sldId="258"/>
+            <ac:spMk id="32" creationId="{AD23A251-68F2-43E5-812B-4BBAE1AF535E}"/>
+          </ac:spMkLst>
+        </pc:spChg>
+        <pc:grpChg chg="del">
+          <ac:chgData name="Benjamin Strusch" userId="d4ceea4940c51958" providerId="LiveId" clId="{A364B2BE-BBCA-4177-A00F-B8C3EBBF6E19}" dt="2023-05-12T05:56:50.898" v="7"/>
+          <ac:grpSpMkLst>
+            <pc:docMk/>
+            <pc:sldMk cId="3766297430" sldId="258"/>
+            <ac:grpSpMk id="13" creationId="{1D912E1C-3BBA-42F0-A3EE-FEC382E7230A}"/>
+          </ac:grpSpMkLst>
+        </pc:grpChg>
+        <pc:grpChg chg="del">
+          <ac:chgData name="Benjamin Strusch" userId="d4ceea4940c51958" providerId="LiveId" clId="{A364B2BE-BBCA-4177-A00F-B8C3EBBF6E19}" dt="2023-05-12T05:56:50.898" v="7"/>
+          <ac:grpSpMkLst>
+            <pc:docMk/>
+            <pc:sldMk cId="3766297430" sldId="258"/>
+            <ac:grpSpMk id="34" creationId="{0350AF23-2606-421F-AB7B-23D9B48F3E9B}"/>
+          </ac:grpSpMkLst>
+        </pc:grpChg>
+      </pc:sldChg>
+      <pc:sldChg chg="delSp add del setBg delDesignElem">
+        <pc:chgData name="Benjamin Strusch" userId="d4ceea4940c51958" providerId="LiveId" clId="{A364B2BE-BBCA-4177-A00F-B8C3EBBF6E19}" dt="2023-05-12T05:57:01.462" v="10" actId="2696"/>
+        <pc:sldMkLst>
+          <pc:docMk/>
+          <pc:sldMk cId="220257361" sldId="259"/>
+        </pc:sldMkLst>
+        <pc:spChg chg="del">
+          <ac:chgData name="Benjamin Strusch" userId="d4ceea4940c51958" providerId="LiveId" clId="{A364B2BE-BBCA-4177-A00F-B8C3EBBF6E19}" dt="2023-05-12T05:56:56.285" v="9"/>
+          <ac:spMkLst>
+            <pc:docMk/>
+            <pc:sldMk cId="220257361" sldId="259"/>
+            <ac:spMk id="9" creationId="{99B5B3C5-A599-465B-B2B9-866E8B2087CE}"/>
+          </ac:spMkLst>
+        </pc:spChg>
+        <pc:spChg chg="del">
+          <ac:chgData name="Benjamin Strusch" userId="d4ceea4940c51958" providerId="LiveId" clId="{A364B2BE-BBCA-4177-A00F-B8C3EBBF6E19}" dt="2023-05-12T05:56:56.285" v="9"/>
+          <ac:spMkLst>
+            <pc:docMk/>
+            <pc:sldMk cId="220257361" sldId="259"/>
+            <ac:spMk id="11" creationId="{25C84982-7DD0-43B1-8A2D-BFA4DF1B4E60}"/>
+          </ac:spMkLst>
+        </pc:spChg>
+        <pc:spChg chg="del">
+          <ac:chgData name="Benjamin Strusch" userId="d4ceea4940c51958" providerId="LiveId" clId="{A364B2BE-BBCA-4177-A00F-B8C3EBBF6E19}" dt="2023-05-12T05:56:56.285" v="9"/>
+          <ac:spMkLst>
+            <pc:docMk/>
+            <pc:sldMk cId="220257361" sldId="259"/>
+            <ac:spMk id="30" creationId="{733E0473-C315-42D8-A82A-A2FE49DC67DA}"/>
+          </ac:spMkLst>
+        </pc:spChg>
+        <pc:spChg chg="del">
+          <ac:chgData name="Benjamin Strusch" userId="d4ceea4940c51958" providerId="LiveId" clId="{A364B2BE-BBCA-4177-A00F-B8C3EBBF6E19}" dt="2023-05-12T05:56:56.285" v="9"/>
+          <ac:spMkLst>
+            <pc:docMk/>
+            <pc:sldMk cId="220257361" sldId="259"/>
+            <ac:spMk id="32" creationId="{AD23A251-68F2-43E5-812B-4BBAE1AF535E}"/>
+          </ac:spMkLst>
+        </pc:spChg>
+        <pc:grpChg chg="del">
+          <ac:chgData name="Benjamin Strusch" userId="d4ceea4940c51958" providerId="LiveId" clId="{A364B2BE-BBCA-4177-A00F-B8C3EBBF6E19}" dt="2023-05-12T05:56:56.285" v="9"/>
+          <ac:grpSpMkLst>
+            <pc:docMk/>
+            <pc:sldMk cId="220257361" sldId="259"/>
+            <ac:grpSpMk id="13" creationId="{1D912E1C-3BBA-42F0-A3EE-FEC382E7230A}"/>
+          </ac:grpSpMkLst>
+        </pc:grpChg>
+        <pc:grpChg chg="del">
+          <ac:chgData name="Benjamin Strusch" userId="d4ceea4940c51958" providerId="LiveId" clId="{A364B2BE-BBCA-4177-A00F-B8C3EBBF6E19}" dt="2023-05-12T05:56:56.285" v="9"/>
+          <ac:grpSpMkLst>
+            <pc:docMk/>
+            <pc:sldMk cId="220257361" sldId="259"/>
+            <ac:grpSpMk id="34" creationId="{0350AF23-2606-421F-AB7B-23D9B48F3E9B}"/>
+          </ac:grpSpMkLst>
+        </pc:grpChg>
+      </pc:sldChg>
+    </pc:docChg>
+  </pc:docChgLst>
   <pc:docChgLst>
     <pc:chgData name="Benjamin Strusch" userId="d4ceea4940c51958" providerId="LiveId" clId="{83BA4BC6-C1AE-4838-B209-B7BA7FA56064}"/>
     <pc:docChg chg="modSld">
@@ -307,7 +536,7 @@
           <a:p>
             <a:fld id="{C43A76A3-ADC8-4477-8FC1-B9DD55D84908}" type="datetime1">
               <a:rPr lang="en-US" smtClean="0"/>
-              <a:t>5/11/2023</a:t>
+              <a:t>5/12/2023</a:t>
             </a:fld>
             <a:endParaRPr lang="en-US" dirty="0"/>
           </a:p>
@@ -505,7 +734,7 @@
           <a:p>
             <a:fld id="{D6762538-DC4D-4667-96E5-B3278DDF8B12}" type="datetime1">
               <a:rPr lang="en-US" smtClean="0"/>
-              <a:t>5/11/2023</a:t>
+              <a:t>5/12/2023</a:t>
             </a:fld>
             <a:endParaRPr lang="en-US"/>
           </a:p>
@@ -713,7 +942,7 @@
           <a:p>
             <a:fld id="{05880548-5C08-4BE3-B63E-F2BB63B0B00C}" type="datetime1">
               <a:rPr lang="en-US" smtClean="0"/>
-              <a:t>5/11/2023</a:t>
+              <a:t>5/12/2023</a:t>
             </a:fld>
             <a:endParaRPr lang="en-US"/>
           </a:p>
@@ -911,7 +1140,7 @@
           <a:p>
             <a:fld id="{DE7F49BE-398D-479A-8A7E-5DDBCA61EDCB}" type="datetime1">
               <a:rPr lang="en-US" smtClean="0"/>
-              <a:t>5/11/2023</a:t>
+              <a:t>5/12/2023</a:t>
             </a:fld>
             <a:endParaRPr lang="en-US"/>
           </a:p>
@@ -1187,7 +1416,7 @@
           <a:p>
             <a:fld id="{CCD0C193-4974-4A1F-9C63-07D595E30D66}" type="datetime1">
               <a:rPr lang="en-US" smtClean="0"/>
-              <a:t>5/11/2023</a:t>
+              <a:t>5/12/2023</a:t>
             </a:fld>
             <a:endParaRPr lang="en-US"/>
           </a:p>
@@ -1454,7 +1683,7 @@
           <a:p>
             <a:fld id="{701AA87F-28D4-4BF0-B81F-877A89DFD5AC}" type="datetime1">
               <a:rPr lang="en-US" smtClean="0"/>
-              <a:t>5/11/2023</a:t>
+              <a:t>5/12/2023</a:t>
             </a:fld>
             <a:endParaRPr lang="en-US"/>
           </a:p>
@@ -1868,7 +2097,7 @@
           <a:p>
             <a:fld id="{A8A9F1F3-208B-49A3-B337-9C8ACEB3E0E1}" type="datetime1">
               <a:rPr lang="en-US" smtClean="0"/>
-              <a:t>5/11/2023</a:t>
+              <a:t>5/12/2023</a:t>
             </a:fld>
             <a:endParaRPr lang="en-US"/>
           </a:p>
@@ -2015,7 +2244,7 @@
           <a:p>
             <a:fld id="{27AF6CA6-7293-4AA2-A0E0-A3BF4416E786}" type="datetime1">
               <a:rPr lang="en-US" smtClean="0"/>
-              <a:t>5/11/2023</a:t>
+              <a:t>5/12/2023</a:t>
             </a:fld>
             <a:endParaRPr lang="en-US"/>
           </a:p>
@@ -2128,7 +2357,7 @@
           <a:p>
             <a:fld id="{98D87016-7BCD-46FB-8EE3-AB6C369108B4}" type="datetime1">
               <a:rPr lang="en-US" smtClean="0"/>
-              <a:t>5/11/2023</a:t>
+              <a:t>5/12/2023</a:t>
             </a:fld>
             <a:endParaRPr lang="en-US"/>
           </a:p>
@@ -2447,7 +2676,7 @@
           <a:p>
             <a:fld id="{A1547011-1FFC-4EF8-9A2E-53B4AD2ADBD4}" type="datetime1">
               <a:rPr lang="en-US" smtClean="0"/>
-              <a:t>5/11/2023</a:t>
+              <a:t>5/12/2023</a:t>
             </a:fld>
             <a:endParaRPr lang="en-US"/>
           </a:p>
@@ -2742,7 +2971,7 @@
           <a:p>
             <a:fld id="{9562EB47-45B4-4EF5-A743-B4885DD2F060}" type="datetime1">
               <a:rPr lang="en-US" smtClean="0"/>
-              <a:t>5/11/2023</a:t>
+              <a:t>5/12/2023</a:t>
             </a:fld>
             <a:endParaRPr lang="en-US"/>
           </a:p>
@@ -4127,7 +4356,7 @@
           <a:p>
             <a:fld id="{4A8D24A4-5FEC-4062-8995-EB21925B3B40}" type="datetime1">
               <a:rPr lang="en-US" smtClean="0"/>
-              <a:t>5/11/2023</a:t>
+              <a:t>5/12/2023</a:t>
             </a:fld>
             <a:endParaRPr lang="en-US" sz="1000" dirty="0"/>
           </a:p>
@@ -4698,7 +4927,7 @@
                 <a16:creationId xmlns:a16="http://schemas.microsoft.com/office/drawing/2014/main" id="{99B5B3C5-A599-465B-B2B9-866E8B2087CE}"/>
               </a:ext>
               <a:ext uri="{C183D7F6-B498-43B3-948B-1728B52AA6E4}">
-                <adec:decorative xmlns:adec="http://schemas.microsoft.com/office/drawing/2017/decorative" xmlns="" val="1"/>
+                <adec:decorative xmlns:adec="http://schemas.microsoft.com/office/drawing/2017/decorative" val="1"/>
               </a:ext>
             </a:extLst>
           </p:cNvPr>
@@ -4758,7 +4987,7 @@
                 <a16:creationId xmlns:a16="http://schemas.microsoft.com/office/drawing/2014/main" id="{25C84982-7DD0-43B1-8A2D-BFA4DF1B4E60}"/>
               </a:ext>
               <a:ext uri="{C183D7F6-B498-43B3-948B-1728B52AA6E4}">
-                <adec:decorative xmlns:adec="http://schemas.microsoft.com/office/drawing/2017/decorative" xmlns="" val="1"/>
+                <adec:decorative xmlns:adec="http://schemas.microsoft.com/office/drawing/2017/decorative" val="1"/>
               </a:ext>
             </a:extLst>
           </p:cNvPr>
@@ -4826,7 +5055,7 @@
                 <a16:creationId xmlns:a16="http://schemas.microsoft.com/office/drawing/2014/main" id="{1D912E1C-3BBA-42F0-A3EE-FEC382E7230A}"/>
               </a:ext>
               <a:ext uri="{C183D7F6-B498-43B3-948B-1728B52AA6E4}">
-                <adec:decorative xmlns:adec="http://schemas.microsoft.com/office/drawing/2017/decorative" xmlns="" val="1"/>
+                <adec:decorative xmlns:adec="http://schemas.microsoft.com/office/drawing/2017/decorative" val="1"/>
               </a:ext>
             </a:extLst>
           </p:cNvPr>
@@ -4857,7 +5086,7 @@
                   <a16:creationId xmlns:a16="http://schemas.microsoft.com/office/drawing/2014/main" id="{2FEEAC76-E273-46A8-8F8E-CE59860FE70D}"/>
                 </a:ext>
                 <a:ext uri="{C183D7F6-B498-43B3-948B-1728B52AA6E4}">
-                  <adec:decorative xmlns:adec="http://schemas.microsoft.com/office/drawing/2017/decorative" xmlns="" val="1"/>
+                  <adec:decorative xmlns:adec="http://schemas.microsoft.com/office/drawing/2017/decorative" val="1"/>
                 </a:ext>
               </a:extLst>
             </p:cNvPr>
@@ -4922,7 +5151,7 @@
                   <a16:creationId xmlns:a16="http://schemas.microsoft.com/office/drawing/2014/main" id="{76594A0E-9400-45AD-A431-1DA1C0B28966}"/>
                 </a:ext>
                 <a:ext uri="{C183D7F6-B498-43B3-948B-1728B52AA6E4}">
-                  <adec:decorative xmlns:adec="http://schemas.microsoft.com/office/drawing/2017/decorative" xmlns="" val="1"/>
+                  <adec:decorative xmlns:adec="http://schemas.microsoft.com/office/drawing/2017/decorative" val="1"/>
                 </a:ext>
               </a:extLst>
             </p:cNvPr>
@@ -4985,7 +5214,7 @@
                   <a16:creationId xmlns:a16="http://schemas.microsoft.com/office/drawing/2014/main" id="{20916D6C-D32F-42B6-8512-CD5EDB8F2B9B}"/>
                 </a:ext>
                 <a:ext uri="{C183D7F6-B498-43B3-948B-1728B52AA6E4}">
-                  <adec:decorative xmlns:adec="http://schemas.microsoft.com/office/drawing/2017/decorative" xmlns="" val="1"/>
+                  <adec:decorative xmlns:adec="http://schemas.microsoft.com/office/drawing/2017/decorative" val="1"/>
                 </a:ext>
               </a:extLst>
             </p:cNvPr>
@@ -5050,7 +5279,7 @@
                   <a16:creationId xmlns:a16="http://schemas.microsoft.com/office/drawing/2014/main" id="{3834846D-59C6-40F4-907C-F1A4689B58F1}"/>
                 </a:ext>
                 <a:ext uri="{C183D7F6-B498-43B3-948B-1728B52AA6E4}">
-                  <adec:decorative xmlns:adec="http://schemas.microsoft.com/office/drawing/2017/decorative" xmlns="" val="1"/>
+                  <adec:decorative xmlns:adec="http://schemas.microsoft.com/office/drawing/2017/decorative" val="1"/>
                 </a:ext>
               </a:extLst>
             </p:cNvPr>
@@ -5113,7 +5342,7 @@
                   <a16:creationId xmlns:a16="http://schemas.microsoft.com/office/drawing/2014/main" id="{5A257CDF-2E36-4DC7-8EE4-5CD8F8ECAC87}"/>
                 </a:ext>
                 <a:ext uri="{C183D7F6-B498-43B3-948B-1728B52AA6E4}">
-                  <adec:decorative xmlns:adec="http://schemas.microsoft.com/office/drawing/2017/decorative" xmlns="" val="1"/>
+                  <adec:decorative xmlns:adec="http://schemas.microsoft.com/office/drawing/2017/decorative" val="1"/>
                 </a:ext>
               </a:extLst>
             </p:cNvPr>
@@ -5178,7 +5407,7 @@
                   <a16:creationId xmlns:a16="http://schemas.microsoft.com/office/drawing/2014/main" id="{D5B26E0E-A115-4AE2-82D8-76BB93CC494F}"/>
                 </a:ext>
                 <a:ext uri="{C183D7F6-B498-43B3-948B-1728B52AA6E4}">
-                  <adec:decorative xmlns:adec="http://schemas.microsoft.com/office/drawing/2017/decorative" xmlns="" val="1"/>
+                  <adec:decorative xmlns:adec="http://schemas.microsoft.com/office/drawing/2017/decorative" val="1"/>
                 </a:ext>
               </a:extLst>
             </p:cNvPr>
@@ -5239,7 +5468,7 @@
                   <a16:creationId xmlns:a16="http://schemas.microsoft.com/office/drawing/2014/main" id="{755058DB-7E01-4E95-BF59-983AA1BBB38E}"/>
                 </a:ext>
                 <a:ext uri="{C183D7F6-B498-43B3-948B-1728B52AA6E4}">
-                  <adec:decorative xmlns:adec="http://schemas.microsoft.com/office/drawing/2017/decorative" xmlns="" val="1"/>
+                  <adec:decorative xmlns:adec="http://schemas.microsoft.com/office/drawing/2017/decorative" val="1"/>
                 </a:ext>
               </a:extLst>
             </p:cNvPr>
@@ -5302,7 +5531,7 @@
                   <a16:creationId xmlns:a16="http://schemas.microsoft.com/office/drawing/2014/main" id="{A810F7E2-23F3-44D6-B09E-71E556536052}"/>
                 </a:ext>
                 <a:ext uri="{C183D7F6-B498-43B3-948B-1728B52AA6E4}">
-                  <adec:decorative xmlns:adec="http://schemas.microsoft.com/office/drawing/2017/decorative" xmlns="" val="1"/>
+                  <adec:decorative xmlns:adec="http://schemas.microsoft.com/office/drawing/2017/decorative" val="1"/>
                 </a:ext>
               </a:extLst>
             </p:cNvPr>
@@ -5363,7 +5592,7 @@
                   <a16:creationId xmlns:a16="http://schemas.microsoft.com/office/drawing/2014/main" id="{59D5C391-E1DB-410A-A78C-ED3BBDFF0758}"/>
                 </a:ext>
                 <a:ext uri="{C183D7F6-B498-43B3-948B-1728B52AA6E4}">
-                  <adec:decorative xmlns:adec="http://schemas.microsoft.com/office/drawing/2017/decorative" xmlns="" val="1"/>
+                  <adec:decorative xmlns:adec="http://schemas.microsoft.com/office/drawing/2017/decorative" val="1"/>
                 </a:ext>
               </a:extLst>
             </p:cNvPr>
@@ -5427,7 +5656,7 @@
                   <a16:creationId xmlns:a16="http://schemas.microsoft.com/office/drawing/2014/main" id="{77C4944D-9373-4283-BCAA-927A0316659E}"/>
                 </a:ext>
                 <a:ext uri="{C183D7F6-B498-43B3-948B-1728B52AA6E4}">
-                  <adec:decorative xmlns:adec="http://schemas.microsoft.com/office/drawing/2017/decorative" xmlns="" val="1"/>
+                  <adec:decorative xmlns:adec="http://schemas.microsoft.com/office/drawing/2017/decorative" val="1"/>
                 </a:ext>
               </a:extLst>
             </p:cNvPr>
@@ -5491,7 +5720,7 @@
                   <a16:creationId xmlns:a16="http://schemas.microsoft.com/office/drawing/2014/main" id="{6804C521-2D9F-4CE4-AFD3-D4F1551FEC6A}"/>
                 </a:ext>
                 <a:ext uri="{C183D7F6-B498-43B3-948B-1728B52AA6E4}">
-                  <adec:decorative xmlns:adec="http://schemas.microsoft.com/office/drawing/2017/decorative" xmlns="" val="1"/>
+                  <adec:decorative xmlns:adec="http://schemas.microsoft.com/office/drawing/2017/decorative" val="1"/>
                 </a:ext>
               </a:extLst>
             </p:cNvPr>
@@ -5651,7 +5880,7 @@
                   <a16:creationId xmlns:a16="http://schemas.microsoft.com/office/drawing/2014/main" id="{755AC65C-13EF-4182-AA3C-62BE165CC033}"/>
                 </a:ext>
                 <a:ext uri="{C183D7F6-B498-43B3-948B-1728B52AA6E4}">
-                  <adec:decorative xmlns:adec="http://schemas.microsoft.com/office/drawing/2017/decorative" xmlns="" val="1"/>
+                  <adec:decorative xmlns:adec="http://schemas.microsoft.com/office/drawing/2017/decorative" val="1"/>
                 </a:ext>
               </a:extLst>
             </p:cNvPr>
@@ -5795,7 +6024,7 @@
                   <a16:creationId xmlns:a16="http://schemas.microsoft.com/office/drawing/2014/main" id="{E40DA8D2-FA4B-4282-9D44-48C27B63A153}"/>
                 </a:ext>
                 <a:ext uri="{C183D7F6-B498-43B3-948B-1728B52AA6E4}">
-                  <adec:decorative xmlns:adec="http://schemas.microsoft.com/office/drawing/2017/decorative" xmlns="" val="1"/>
+                  <adec:decorative xmlns:adec="http://schemas.microsoft.com/office/drawing/2017/decorative" val="1"/>
                 </a:ext>
               </a:extLst>
             </p:cNvPr>
@@ -5921,7 +6150,7 @@
                   <a16:creationId xmlns:a16="http://schemas.microsoft.com/office/drawing/2014/main" id="{99065014-CB18-414D-A527-31ECC45700AB}"/>
                 </a:ext>
                 <a:ext uri="{C183D7F6-B498-43B3-948B-1728B52AA6E4}">
-                  <adec:decorative xmlns:adec="http://schemas.microsoft.com/office/drawing/2017/decorative" xmlns="" val="1"/>
+                  <adec:decorative xmlns:adec="http://schemas.microsoft.com/office/drawing/2017/decorative" val="1"/>
                 </a:ext>
               </a:extLst>
             </p:cNvPr>
@@ -5980,7 +6209,7 @@
                   <a16:creationId xmlns:a16="http://schemas.microsoft.com/office/drawing/2014/main" id="{8F39E27A-56C1-4328-8DF1-2DA147C78483}"/>
                 </a:ext>
                 <a:ext uri="{C183D7F6-B498-43B3-948B-1728B52AA6E4}">
-                  <adec:decorative xmlns:adec="http://schemas.microsoft.com/office/drawing/2017/decorative" xmlns="" val="1"/>
+                  <adec:decorative xmlns:adec="http://schemas.microsoft.com/office/drawing/2017/decorative" val="1"/>
                 </a:ext>
               </a:extLst>
             </p:cNvPr>
@@ -6115,7 +6344,7 @@
                 <a16:creationId xmlns:a16="http://schemas.microsoft.com/office/drawing/2014/main" id="{733E0473-C315-42D8-A82A-A2FE49DC67DA}"/>
               </a:ext>
               <a:ext uri="{C183D7F6-B498-43B3-948B-1728B52AA6E4}">
-                <adec:decorative xmlns:adec="http://schemas.microsoft.com/office/drawing/2017/decorative" xmlns="" val="1"/>
+                <adec:decorative xmlns:adec="http://schemas.microsoft.com/office/drawing/2017/decorative" val="1"/>
               </a:ext>
             </a:extLst>
           </p:cNvPr>
@@ -6175,7 +6404,7 @@
                 <a16:creationId xmlns:a16="http://schemas.microsoft.com/office/drawing/2014/main" id="{AD23A251-68F2-43E5-812B-4BBAE1AF535E}"/>
               </a:ext>
               <a:ext uri="{C183D7F6-B498-43B3-948B-1728B52AA6E4}">
-                <adec:decorative xmlns:adec="http://schemas.microsoft.com/office/drawing/2017/decorative" xmlns="" val="1"/>
+                <adec:decorative xmlns:adec="http://schemas.microsoft.com/office/drawing/2017/decorative" val="1"/>
               </a:ext>
             </a:extLst>
           </p:cNvPr>
@@ -6274,7 +6503,7 @@
                 <a16:creationId xmlns:a16="http://schemas.microsoft.com/office/drawing/2014/main" id="{0350AF23-2606-421F-AB7B-23D9B48F3E9B}"/>
               </a:ext>
               <a:ext uri="{C183D7F6-B498-43B3-948B-1728B52AA6E4}">
-                <adec:decorative xmlns:adec="http://schemas.microsoft.com/office/drawing/2017/decorative" xmlns="" val="1"/>
+                <adec:decorative xmlns:adec="http://schemas.microsoft.com/office/drawing/2017/decorative" val="1"/>
               </a:ext>
             </a:extLst>
           </p:cNvPr>
@@ -6305,7 +6534,7 @@
                   <a16:creationId xmlns:a16="http://schemas.microsoft.com/office/drawing/2014/main" id="{526A544A-3C76-4502-A741-F4DB0E2CD2FD}"/>
                 </a:ext>
                 <a:ext uri="{C183D7F6-B498-43B3-948B-1728B52AA6E4}">
-                  <adec:decorative xmlns:adec="http://schemas.microsoft.com/office/drawing/2017/decorative" xmlns="" val="1"/>
+                  <adec:decorative xmlns:adec="http://schemas.microsoft.com/office/drawing/2017/decorative" val="1"/>
                 </a:ext>
               </a:extLst>
             </p:cNvPr>
@@ -6368,7 +6597,7 @@
                   <a16:creationId xmlns:a16="http://schemas.microsoft.com/office/drawing/2014/main" id="{017B8593-D171-47B5-8D1A-E34E7B138476}"/>
                 </a:ext>
                 <a:ext uri="{C183D7F6-B498-43B3-948B-1728B52AA6E4}">
-                  <adec:decorative xmlns:adec="http://schemas.microsoft.com/office/drawing/2017/decorative" xmlns="" val="1"/>
+                  <adec:decorative xmlns:adec="http://schemas.microsoft.com/office/drawing/2017/decorative" val="1"/>
                 </a:ext>
               </a:extLst>
             </p:cNvPr>
@@ -6432,7 +6661,7 @@
                   <a16:creationId xmlns:a16="http://schemas.microsoft.com/office/drawing/2014/main" id="{1FEF60D4-64F6-450F-B86D-383EEA1C843F}"/>
                 </a:ext>
                 <a:ext uri="{C183D7F6-B498-43B3-948B-1728B52AA6E4}">
-                  <adec:decorative xmlns:adec="http://schemas.microsoft.com/office/drawing/2017/decorative" xmlns="" val="1"/>
+                  <adec:decorative xmlns:adec="http://schemas.microsoft.com/office/drawing/2017/decorative" val="1"/>
                 </a:ext>
               </a:extLst>
             </p:cNvPr>
@@ -6497,7 +6726,7 @@
                   <a16:creationId xmlns:a16="http://schemas.microsoft.com/office/drawing/2014/main" id="{A97D4A7C-B520-46CB-9A94-711F53997BDB}"/>
                 </a:ext>
                 <a:ext uri="{C183D7F6-B498-43B3-948B-1728B52AA6E4}">
-                  <adec:decorative xmlns:adec="http://schemas.microsoft.com/office/drawing/2017/decorative" xmlns="" val="1"/>
+                  <adec:decorative xmlns:adec="http://schemas.microsoft.com/office/drawing/2017/decorative" val="1"/>
                 </a:ext>
               </a:extLst>
             </p:cNvPr>
@@ -6558,7 +6787,7 @@
                   <a16:creationId xmlns:a16="http://schemas.microsoft.com/office/drawing/2014/main" id="{2B7B976F-E84B-4936-90D7-C8298A5E7BD0}"/>
                 </a:ext>
                 <a:ext uri="{C183D7F6-B498-43B3-948B-1728B52AA6E4}">
-                  <adec:decorative xmlns:adec="http://schemas.microsoft.com/office/drawing/2017/decorative" xmlns="" val="1"/>
+                  <adec:decorative xmlns:adec="http://schemas.microsoft.com/office/drawing/2017/decorative" val="1"/>
                 </a:ext>
               </a:extLst>
             </p:cNvPr>
@@ -6619,7 +6848,7 @@
                   <a16:creationId xmlns:a16="http://schemas.microsoft.com/office/drawing/2014/main" id="{DC91FFEC-59DF-4D22-A925-F5152076924B}"/>
                 </a:ext>
                 <a:ext uri="{C183D7F6-B498-43B3-948B-1728B52AA6E4}">
-                  <adec:decorative xmlns:adec="http://schemas.microsoft.com/office/drawing/2017/decorative" xmlns="" val="1"/>
+                  <adec:decorative xmlns:adec="http://schemas.microsoft.com/office/drawing/2017/decorative" val="1"/>
                 </a:ext>
               </a:extLst>
             </p:cNvPr>
@@ -6680,7 +6909,7 @@
                   <a16:creationId xmlns:a16="http://schemas.microsoft.com/office/drawing/2014/main" id="{58931E95-0847-47E4-8AEC-312312A03232}"/>
                 </a:ext>
                 <a:ext uri="{C183D7F6-B498-43B3-948B-1728B52AA6E4}">
-                  <adec:decorative xmlns:adec="http://schemas.microsoft.com/office/drawing/2017/decorative" xmlns="" val="1"/>
+                  <adec:decorative xmlns:adec="http://schemas.microsoft.com/office/drawing/2017/decorative" val="1"/>
                 </a:ext>
               </a:extLst>
             </p:cNvPr>
@@ -6744,7 +6973,7 @@
                   <a16:creationId xmlns:a16="http://schemas.microsoft.com/office/drawing/2014/main" id="{3C094915-EF93-49A0-9B90-C44FB9B5007A}"/>
                 </a:ext>
                 <a:ext uri="{C183D7F6-B498-43B3-948B-1728B52AA6E4}">
-                  <adec:decorative xmlns:adec="http://schemas.microsoft.com/office/drawing/2017/decorative" xmlns="" val="1"/>
+                  <adec:decorative xmlns:adec="http://schemas.microsoft.com/office/drawing/2017/decorative" val="1"/>
                 </a:ext>
               </a:extLst>
             </p:cNvPr>
@@ -6822,7 +7051,7 @@
         </p:spPr>
         <p:txBody>
           <a:bodyPr vert="horz" lIns="91440" tIns="45720" rIns="91440" bIns="45720" rtlCol="0" anchor="b">
-            <a:normAutofit fontScale="90000"/>
+            <a:normAutofit/>
           </a:bodyPr>
           <a:lstStyle/>
           <a:p>
@@ -6840,10 +7069,10 @@
       </p:sp>
       <p:sp>
         <p:nvSpPr>
-          <p:cNvPr id="5" name="TextBox 4">
+          <p:cNvPr id="3" name="TextBox 2">
             <a:extLst>
               <a:ext uri="{FF2B5EF4-FFF2-40B4-BE49-F238E27FC236}">
-                <a16:creationId xmlns:a16="http://schemas.microsoft.com/office/drawing/2014/main" id="{BEADE34C-D7A9-A127-FC7D-44CB167703F6}"/>
+                <a16:creationId xmlns:a16="http://schemas.microsoft.com/office/drawing/2014/main" id="{BEE94906-C806-DF49-33AC-C95DEF2CA436}"/>
               </a:ext>
             </a:extLst>
           </p:cNvPr>
@@ -6852,17 +7081,15 @@
         </p:nvSpPr>
         <p:spPr>
           <a:xfrm>
-            <a:off x="1419233" y="2261815"/>
-            <a:ext cx="4512358" cy="3539430"/>
+            <a:off x="1403746" y="2290792"/>
+            <a:ext cx="4301083" cy="2923877"/>
           </a:xfrm>
           <a:prstGeom prst="rect">
             <a:avLst/>
           </a:prstGeom>
           <a:noFill/>
           <a:ln>
-            <a:solidFill>
-              <a:schemeClr val="bg1"/>
-            </a:solidFill>
+            <a:noFill/>
           </a:ln>
         </p:spPr>
         <p:txBody>
@@ -6886,7 +7113,7 @@
             </a:endParaRPr>
           </a:p>
           <a:p>
-            <a:endParaRPr lang="en-DE" sz="2600" b="1" u="sng" dirty="0">
+            <a:endParaRPr lang="en-DE" b="1" u="sng" dirty="0">
               <a:solidFill>
                 <a:schemeClr val="bg1"/>
               </a:solidFill>
@@ -6964,25 +7191,14 @@
               <a:t>o increase pandemic-preparedness</a:t>
             </a:r>
           </a:p>
-          <a:p>
-            <a:pPr marL="342900" indent="-342900">
-              <a:buFont typeface="Arial" panose="020B0604020202020204" pitchFamily="34" charset="0"/>
-              <a:buChar char="•"/>
-            </a:pPr>
-            <a:endParaRPr lang="en-DE" sz="3200" dirty="0">
-              <a:solidFill>
-                <a:schemeClr val="bg1"/>
-              </a:solidFill>
-            </a:endParaRPr>
-          </a:p>
         </p:txBody>
       </p:sp>
       <p:sp>
         <p:nvSpPr>
-          <p:cNvPr id="7" name="TextBox 6">
+          <p:cNvPr id="8" name="TextBox 7">
             <a:extLst>
               <a:ext uri="{FF2B5EF4-FFF2-40B4-BE49-F238E27FC236}">
-                <a16:creationId xmlns:a16="http://schemas.microsoft.com/office/drawing/2014/main" id="{64F6199D-DDB1-536C-072E-FDED513B5D1A}"/>
+                <a16:creationId xmlns:a16="http://schemas.microsoft.com/office/drawing/2014/main" id="{F05C1958-A607-AC7B-5710-DFB40B3D0066}"/>
               </a:ext>
             </a:extLst>
           </p:cNvPr>
@@ -6991,17 +7207,15 @@
         </p:nvSpPr>
         <p:spPr>
           <a:xfrm>
-            <a:off x="5967927" y="2261815"/>
-            <a:ext cx="4932594" cy="3539430"/>
+            <a:off x="6196280" y="2290793"/>
+            <a:ext cx="4675158" cy="2923877"/>
           </a:xfrm>
           <a:prstGeom prst="rect">
             <a:avLst/>
           </a:prstGeom>
           <a:noFill/>
           <a:ln>
-            <a:solidFill>
-              <a:schemeClr val="bg1"/>
-            </a:solidFill>
+            <a:noFill/>
           </a:ln>
         </p:spPr>
         <p:txBody>
@@ -7037,7 +7251,7 @@
                   <a:schemeClr val="bg1"/>
                 </a:solidFill>
               </a:rPr>
-              <a:t>Finding adequate data to address question</a:t>
+              <a:t>adequate data to address question</a:t>
             </a:r>
           </a:p>
           <a:p>
@@ -7051,7 +7265,21 @@
                   <a:schemeClr val="bg1"/>
                 </a:solidFill>
               </a:rPr>
-              <a:t>Focus on sources &amp; usability</a:t>
+              <a:t>Outcome: Happiness</a:t>
+            </a:r>
+          </a:p>
+          <a:p>
+            <a:pPr marL="742950" lvl="1" indent="-285750">
+              <a:buFont typeface="Arial" panose="020B0604020202020204" pitchFamily="34" charset="0"/>
+              <a:buChar char="•"/>
+            </a:pPr>
+            <a:r>
+              <a:rPr lang="en-GB" sz="2000" dirty="0">
+                <a:solidFill>
+                  <a:schemeClr val="bg1"/>
+                </a:solidFill>
+              </a:rPr>
+              <a:t>Predictor: Stringency</a:t>
             </a:r>
           </a:p>
           <a:p>
@@ -7084,11 +7312,14 @@
               <a:buFont typeface="Arial" panose="020B0604020202020204" pitchFamily="34" charset="0"/>
               <a:buChar char="•"/>
             </a:pPr>
-            <a:endParaRPr lang="en-GB" sz="2000" dirty="0">
-              <a:solidFill>
-                <a:schemeClr val="bg1"/>
-              </a:solidFill>
-            </a:endParaRPr>
+            <a:r>
+              <a:rPr lang="en-GB" sz="2000" dirty="0">
+                <a:solidFill>
+                  <a:schemeClr val="bg1"/>
+                </a:solidFill>
+              </a:rPr>
+              <a:t>Happiness: Covid vs. pre-pandemic</a:t>
+            </a:r>
           </a:p>
           <a:p>
             <a:pPr marL="285750" indent="-285750">
@@ -7101,32 +7332,7 @@
                   <a:schemeClr val="bg1"/>
                 </a:solidFill>
               </a:rPr>
-              <a:t>Present variables in 3 Graphs for each year</a:t>
-            </a:r>
-          </a:p>
-          <a:p>
-            <a:pPr marL="285750" indent="-285750">
-              <a:buFont typeface="Arial" panose="020B0604020202020204" pitchFamily="34" charset="0"/>
-              <a:buChar char="•"/>
-            </a:pPr>
-            <a:endParaRPr lang="en-GB" sz="2000" dirty="0">
-              <a:solidFill>
-                <a:schemeClr val="bg1"/>
-              </a:solidFill>
-            </a:endParaRPr>
-          </a:p>
-          <a:p>
-            <a:pPr marL="285750" indent="-285750">
-              <a:buFont typeface="Arial" panose="020B0604020202020204" pitchFamily="34" charset="0"/>
-              <a:buChar char="•"/>
-            </a:pPr>
-            <a:r>
-              <a:rPr lang="en-GB" sz="2000" dirty="0">
-                <a:solidFill>
-                  <a:schemeClr val="bg1"/>
-                </a:solidFill>
-              </a:rPr>
-              <a:t>Compare Happiness scores to pre-pandemic levels</a:t>
+              <a:t>Present variables in one Graphs per year</a:t>
             </a:r>
           </a:p>
         </p:txBody>
